--- a/[2조]데이터분석_프로젝트_범죄.pptx
+++ b/[2조]데이터분석_프로젝트_범죄.pptx
@@ -21,6 +21,9 @@
     <p:sldId id="266" r:id="rId16"/>
     <p:sldId id="267" r:id="rId17"/>
     <p:sldId id="268" r:id="rId18"/>
+    <p:sldId id="269" r:id="rId19"/>
+    <p:sldId id="270" r:id="rId20"/>
+    <p:sldId id="271" r:id="rId21"/>
   </p:sldIdLst>
   <p:sldSz cy="5143500" cx="9144000"/>
   <p:notesSz cx="6858000" cy="9144000"/>
@@ -802,7 +805,7 @@
   <p:cSld>
     <p:spTree>
       <p:nvGrpSpPr>
-        <p:cNvPr id="108" name="Shape 108"/>
+        <p:cNvPr id="109" name="Shape 109"/>
         <p:cNvGrpSpPr/>
         <p:nvPr/>
       </p:nvGrpSpPr>
@@ -816,7 +819,7 @@
       </p:grpSpPr>
       <p:sp>
         <p:nvSpPr>
-          <p:cNvPr id="109" name="Google Shape;109;g2c85373392e_0_26:notes"/>
+          <p:cNvPr id="110" name="Google Shape;110;g2c85373392e_0_21:notes"/>
           <p:cNvSpPr/>
           <p:nvPr>
             <p:ph idx="2" type="sldImg"/>
@@ -851,7 +854,7 @@
       </p:sp>
       <p:sp>
         <p:nvSpPr>
-          <p:cNvPr id="110" name="Google Shape;110;g2c85373392e_0_26:notes"/>
+          <p:cNvPr id="111" name="Google Shape;111;g2c85373392e_0_21:notes"/>
           <p:cNvSpPr txBox="1"/>
           <p:nvPr>
             <p:ph idx="1" type="body"/>
@@ -901,7 +904,7 @@
   <p:cSld>
     <p:spTree>
       <p:nvGrpSpPr>
-        <p:cNvPr id="114" name="Shape 114"/>
+        <p:cNvPr id="115" name="Shape 115"/>
         <p:cNvGrpSpPr/>
         <p:nvPr/>
       </p:nvGrpSpPr>
@@ -915,7 +918,7 @@
       </p:grpSpPr>
       <p:sp>
         <p:nvSpPr>
-          <p:cNvPr id="115" name="Google Shape;115;g2c85373392e_0_31:notes"/>
+          <p:cNvPr id="116" name="Google Shape;116;g2c85373392e_0_26:notes"/>
           <p:cNvSpPr/>
           <p:nvPr>
             <p:ph idx="2" type="sldImg"/>
@@ -950,7 +953,7 @@
       </p:sp>
       <p:sp>
         <p:nvSpPr>
-          <p:cNvPr id="116" name="Google Shape;116;g2c85373392e_0_31:notes"/>
+          <p:cNvPr id="117" name="Google Shape;117;g2c85373392e_0_26:notes"/>
           <p:cNvSpPr txBox="1"/>
           <p:nvPr>
             <p:ph idx="1" type="body"/>
@@ -1000,7 +1003,7 @@
   <p:cSld>
     <p:spTree>
       <p:nvGrpSpPr>
-        <p:cNvPr id="120" name="Shape 120"/>
+        <p:cNvPr id="121" name="Shape 121"/>
         <p:cNvGrpSpPr/>
         <p:nvPr/>
       </p:nvGrpSpPr>
@@ -1014,7 +1017,7 @@
       </p:grpSpPr>
       <p:sp>
         <p:nvSpPr>
-          <p:cNvPr id="121" name="Google Shape;121;g2c85373392e_0_36:notes"/>
+          <p:cNvPr id="122" name="Google Shape;122;g2c85373392e_0_31:notes"/>
           <p:cNvSpPr/>
           <p:nvPr>
             <p:ph idx="2" type="sldImg"/>
@@ -1049,7 +1052,7 @@
       </p:sp>
       <p:sp>
         <p:nvSpPr>
-          <p:cNvPr id="122" name="Google Shape;122;g2c85373392e_0_36:notes"/>
+          <p:cNvPr id="123" name="Google Shape;123;g2c85373392e_0_31:notes"/>
           <p:cNvSpPr txBox="1"/>
           <p:nvPr>
             <p:ph idx="1" type="body"/>
@@ -1099,7 +1102,7 @@
   <p:cSld>
     <p:spTree>
       <p:nvGrpSpPr>
-        <p:cNvPr id="126" name="Shape 126"/>
+        <p:cNvPr id="127" name="Shape 127"/>
         <p:cNvGrpSpPr/>
         <p:nvPr/>
       </p:nvGrpSpPr>
@@ -1113,7 +1116,7 @@
       </p:grpSpPr>
       <p:sp>
         <p:nvSpPr>
-          <p:cNvPr id="127" name="Google Shape;127;g2c85373392e_0_41:notes"/>
+          <p:cNvPr id="128" name="Google Shape;128;g2c85373392e_0_36:notes"/>
           <p:cNvSpPr/>
           <p:nvPr>
             <p:ph idx="2" type="sldImg"/>
@@ -1148,7 +1151,304 @@
       </p:sp>
       <p:sp>
         <p:nvSpPr>
-          <p:cNvPr id="128" name="Google Shape;128;g2c85373392e_0_41:notes"/>
+          <p:cNvPr id="129" name="Google Shape;129;g2c85373392e_0_36:notes"/>
+          <p:cNvSpPr txBox="1"/>
+          <p:nvPr>
+            <p:ph idx="1" type="body"/>
+          </p:nvPr>
+        </p:nvSpPr>
+        <p:spPr>
+          <a:xfrm>
+            <a:off x="685800" y="4343400"/>
+            <a:ext cx="5486400" cy="4114800"/>
+          </a:xfrm>
+          <a:prstGeom prst="rect">
+            <a:avLst/>
+          </a:prstGeom>
+        </p:spPr>
+        <p:txBody>
+          <a:bodyPr anchorCtr="0" anchor="t" bIns="91425" lIns="91425" spcFirstLastPara="1" rIns="91425" wrap="square" tIns="91425">
+            <a:noAutofit/>
+          </a:bodyPr>
+          <a:lstStyle/>
+          <a:p>
+            <a:pPr indent="0" lvl="0" marL="0" rtl="0" algn="l">
+              <a:spcBef>
+                <a:spcPts val="0"/>
+              </a:spcBef>
+              <a:spcAft>
+                <a:spcPts val="0"/>
+              </a:spcAft>
+              <a:buNone/>
+            </a:pPr>
+            <a:r>
+              <a:t/>
+            </a:r>
+            <a:endParaRPr/>
+          </a:p>
+        </p:txBody>
+      </p:sp>
+    </p:spTree>
+  </p:cSld>
+  <p:clrMapOvr>
+    <a:masterClrMapping/>
+  </p:clrMapOvr>
+</p:notes>
+</file>
+
+<file path=ppt/notesSlides/notesSlide14.xml><?xml version="1.0" encoding="utf-8"?>
+<p:notes xmlns:a="http://schemas.openxmlformats.org/drawingml/2006/main" xmlns:r="http://schemas.openxmlformats.org/officeDocument/2006/relationships" xmlns:mc="http://schemas.openxmlformats.org/markup-compatibility/2006" xmlns:mv="urn:schemas-microsoft-com:mac:vml" xmlns:p="http://schemas.openxmlformats.org/presentationml/2006/main" xmlns:c="http://schemas.openxmlformats.org/drawingml/2006/chart" xmlns:dgm="http://schemas.openxmlformats.org/drawingml/2006/diagram" xmlns:o="urn:schemas-microsoft-com:office:office" xmlns:v="urn:schemas-microsoft-com:vml" xmlns:pvml="urn:schemas-microsoft-com:office:powerpoint" xmlns:com="http://schemas.openxmlformats.org/drawingml/2006/compatibility" xmlns:p14="http://schemas.microsoft.com/office/powerpoint/2010/main" xmlns:p15="http://schemas.microsoft.com/office/powerpoint/2012/main" xmlns:ahyp="http://schemas.microsoft.com/office/drawing/2018/hyperlinkcolor" showMasterPhAnim="0" showMasterSp="0">
+  <p:cSld>
+    <p:spTree>
+      <p:nvGrpSpPr>
+        <p:cNvPr id="133" name="Shape 133"/>
+        <p:cNvGrpSpPr/>
+        <p:nvPr/>
+      </p:nvGrpSpPr>
+      <p:grpSpPr>
+        <a:xfrm>
+          <a:off x="0" y="0"/>
+          <a:ext cx="0" cy="0"/>
+          <a:chOff x="0" y="0"/>
+          <a:chExt cx="0" cy="0"/>
+        </a:xfrm>
+      </p:grpSpPr>
+      <p:sp>
+        <p:nvSpPr>
+          <p:cNvPr id="134" name="Google Shape;134;g2c8ad3b5eda_0_16:notes"/>
+          <p:cNvSpPr/>
+          <p:nvPr>
+            <p:ph idx="2" type="sldImg"/>
+          </p:nvPr>
+        </p:nvSpPr>
+        <p:spPr>
+          <a:xfrm>
+            <a:off x="381300" y="685800"/>
+            <a:ext cx="6096000" cy="3429000"/>
+          </a:xfrm>
+          <a:custGeom>
+            <a:rect b="b" l="l" r="r" t="t"/>
+            <a:pathLst>
+              <a:path extrusionOk="0" h="120000" w="120000">
+                <a:moveTo>
+                  <a:pt x="0" y="0"/>
+                </a:moveTo>
+                <a:lnTo>
+                  <a:pt x="120000" y="0"/>
+                </a:lnTo>
+                <a:lnTo>
+                  <a:pt x="120000" y="120000"/>
+                </a:lnTo>
+                <a:lnTo>
+                  <a:pt x="0" y="120000"/>
+                </a:lnTo>
+                <a:close/>
+              </a:path>
+            </a:pathLst>
+          </a:custGeom>
+        </p:spPr>
+      </p:sp>
+      <p:sp>
+        <p:nvSpPr>
+          <p:cNvPr id="135" name="Google Shape;135;g2c8ad3b5eda_0_16:notes"/>
+          <p:cNvSpPr txBox="1"/>
+          <p:nvPr>
+            <p:ph idx="1" type="body"/>
+          </p:nvPr>
+        </p:nvSpPr>
+        <p:spPr>
+          <a:xfrm>
+            <a:off x="685800" y="4343400"/>
+            <a:ext cx="5486400" cy="4114800"/>
+          </a:xfrm>
+          <a:prstGeom prst="rect">
+            <a:avLst/>
+          </a:prstGeom>
+        </p:spPr>
+        <p:txBody>
+          <a:bodyPr anchorCtr="0" anchor="t" bIns="91425" lIns="91425" spcFirstLastPara="1" rIns="91425" wrap="square" tIns="91425">
+            <a:noAutofit/>
+          </a:bodyPr>
+          <a:lstStyle/>
+          <a:p>
+            <a:pPr indent="0" lvl="0" marL="0" rtl="0" algn="l">
+              <a:spcBef>
+                <a:spcPts val="0"/>
+              </a:spcBef>
+              <a:spcAft>
+                <a:spcPts val="0"/>
+              </a:spcAft>
+              <a:buNone/>
+            </a:pPr>
+            <a:r>
+              <a:t/>
+            </a:r>
+            <a:endParaRPr/>
+          </a:p>
+        </p:txBody>
+      </p:sp>
+    </p:spTree>
+  </p:cSld>
+  <p:clrMapOvr>
+    <a:masterClrMapping/>
+  </p:clrMapOvr>
+</p:notes>
+</file>
+
+<file path=ppt/notesSlides/notesSlide15.xml><?xml version="1.0" encoding="utf-8"?>
+<p:notes xmlns:a="http://schemas.openxmlformats.org/drawingml/2006/main" xmlns:r="http://schemas.openxmlformats.org/officeDocument/2006/relationships" xmlns:mc="http://schemas.openxmlformats.org/markup-compatibility/2006" xmlns:mv="urn:schemas-microsoft-com:mac:vml" xmlns:p="http://schemas.openxmlformats.org/presentationml/2006/main" xmlns:c="http://schemas.openxmlformats.org/drawingml/2006/chart" xmlns:dgm="http://schemas.openxmlformats.org/drawingml/2006/diagram" xmlns:o="urn:schemas-microsoft-com:office:office" xmlns:v="urn:schemas-microsoft-com:vml" xmlns:pvml="urn:schemas-microsoft-com:office:powerpoint" xmlns:com="http://schemas.openxmlformats.org/drawingml/2006/compatibility" xmlns:p14="http://schemas.microsoft.com/office/powerpoint/2010/main" xmlns:p15="http://schemas.microsoft.com/office/powerpoint/2012/main" xmlns:ahyp="http://schemas.microsoft.com/office/drawing/2018/hyperlinkcolor" showMasterPhAnim="0" showMasterSp="0">
+  <p:cSld>
+    <p:spTree>
+      <p:nvGrpSpPr>
+        <p:cNvPr id="139" name="Shape 139"/>
+        <p:cNvGrpSpPr/>
+        <p:nvPr/>
+      </p:nvGrpSpPr>
+      <p:grpSpPr>
+        <a:xfrm>
+          <a:off x="0" y="0"/>
+          <a:ext cx="0" cy="0"/>
+          <a:chOff x="0" y="0"/>
+          <a:chExt cx="0" cy="0"/>
+        </a:xfrm>
+      </p:grpSpPr>
+      <p:sp>
+        <p:nvSpPr>
+          <p:cNvPr id="140" name="Google Shape;140;g2c8ad3b5eda_0_10:notes"/>
+          <p:cNvSpPr/>
+          <p:nvPr>
+            <p:ph idx="2" type="sldImg"/>
+          </p:nvPr>
+        </p:nvSpPr>
+        <p:spPr>
+          <a:xfrm>
+            <a:off x="381300" y="685800"/>
+            <a:ext cx="6096000" cy="3429000"/>
+          </a:xfrm>
+          <a:custGeom>
+            <a:rect b="b" l="l" r="r" t="t"/>
+            <a:pathLst>
+              <a:path extrusionOk="0" h="120000" w="120000">
+                <a:moveTo>
+                  <a:pt x="0" y="0"/>
+                </a:moveTo>
+                <a:lnTo>
+                  <a:pt x="120000" y="0"/>
+                </a:lnTo>
+                <a:lnTo>
+                  <a:pt x="120000" y="120000"/>
+                </a:lnTo>
+                <a:lnTo>
+                  <a:pt x="0" y="120000"/>
+                </a:lnTo>
+                <a:close/>
+              </a:path>
+            </a:pathLst>
+          </a:custGeom>
+        </p:spPr>
+      </p:sp>
+      <p:sp>
+        <p:nvSpPr>
+          <p:cNvPr id="141" name="Google Shape;141;g2c8ad3b5eda_0_10:notes"/>
+          <p:cNvSpPr txBox="1"/>
+          <p:nvPr>
+            <p:ph idx="1" type="body"/>
+          </p:nvPr>
+        </p:nvSpPr>
+        <p:spPr>
+          <a:xfrm>
+            <a:off x="685800" y="4343400"/>
+            <a:ext cx="5486400" cy="4114800"/>
+          </a:xfrm>
+          <a:prstGeom prst="rect">
+            <a:avLst/>
+          </a:prstGeom>
+        </p:spPr>
+        <p:txBody>
+          <a:bodyPr anchorCtr="0" anchor="t" bIns="91425" lIns="91425" spcFirstLastPara="1" rIns="91425" wrap="square" tIns="91425">
+            <a:noAutofit/>
+          </a:bodyPr>
+          <a:lstStyle/>
+          <a:p>
+            <a:pPr indent="0" lvl="0" marL="0" rtl="0" algn="l">
+              <a:spcBef>
+                <a:spcPts val="0"/>
+              </a:spcBef>
+              <a:spcAft>
+                <a:spcPts val="0"/>
+              </a:spcAft>
+              <a:buNone/>
+            </a:pPr>
+            <a:r>
+              <a:t/>
+            </a:r>
+            <a:endParaRPr/>
+          </a:p>
+        </p:txBody>
+      </p:sp>
+    </p:spTree>
+  </p:cSld>
+  <p:clrMapOvr>
+    <a:masterClrMapping/>
+  </p:clrMapOvr>
+</p:notes>
+</file>
+
+<file path=ppt/notesSlides/notesSlide16.xml><?xml version="1.0" encoding="utf-8"?>
+<p:notes xmlns:a="http://schemas.openxmlformats.org/drawingml/2006/main" xmlns:r="http://schemas.openxmlformats.org/officeDocument/2006/relationships" xmlns:mc="http://schemas.openxmlformats.org/markup-compatibility/2006" xmlns:mv="urn:schemas-microsoft-com:mac:vml" xmlns:p="http://schemas.openxmlformats.org/presentationml/2006/main" xmlns:c="http://schemas.openxmlformats.org/drawingml/2006/chart" xmlns:dgm="http://schemas.openxmlformats.org/drawingml/2006/diagram" xmlns:o="urn:schemas-microsoft-com:office:office" xmlns:v="urn:schemas-microsoft-com:vml" xmlns:pvml="urn:schemas-microsoft-com:office:powerpoint" xmlns:com="http://schemas.openxmlformats.org/drawingml/2006/compatibility" xmlns:p14="http://schemas.microsoft.com/office/powerpoint/2010/main" xmlns:p15="http://schemas.microsoft.com/office/powerpoint/2012/main" xmlns:ahyp="http://schemas.microsoft.com/office/drawing/2018/hyperlinkcolor" showMasterPhAnim="0" showMasterSp="0">
+  <p:cSld>
+    <p:spTree>
+      <p:nvGrpSpPr>
+        <p:cNvPr id="145" name="Shape 145"/>
+        <p:cNvGrpSpPr/>
+        <p:nvPr/>
+      </p:nvGrpSpPr>
+      <p:grpSpPr>
+        <a:xfrm>
+          <a:off x="0" y="0"/>
+          <a:ext cx="0" cy="0"/>
+          <a:chOff x="0" y="0"/>
+          <a:chExt cx="0" cy="0"/>
+        </a:xfrm>
+      </p:grpSpPr>
+      <p:sp>
+        <p:nvSpPr>
+          <p:cNvPr id="146" name="Google Shape;146;g2c85373392e_0_41:notes"/>
+          <p:cNvSpPr/>
+          <p:nvPr>
+            <p:ph idx="2" type="sldImg"/>
+          </p:nvPr>
+        </p:nvSpPr>
+        <p:spPr>
+          <a:xfrm>
+            <a:off x="381300" y="685800"/>
+            <a:ext cx="6096000" cy="3429000"/>
+          </a:xfrm>
+          <a:custGeom>
+            <a:rect b="b" l="l" r="r" t="t"/>
+            <a:pathLst>
+              <a:path extrusionOk="0" h="120000" w="120000">
+                <a:moveTo>
+                  <a:pt x="0" y="0"/>
+                </a:moveTo>
+                <a:lnTo>
+                  <a:pt x="120000" y="0"/>
+                </a:lnTo>
+                <a:lnTo>
+                  <a:pt x="120000" y="120000"/>
+                </a:lnTo>
+                <a:lnTo>
+                  <a:pt x="0" y="120000"/>
+                </a:lnTo>
+                <a:close/>
+              </a:path>
+            </a:pathLst>
+          </a:custGeom>
+        </p:spPr>
+      </p:sp>
+      <p:sp>
+        <p:nvSpPr>
+          <p:cNvPr id="147" name="Google Shape;147;g2c85373392e_0_41:notes"/>
           <p:cNvSpPr txBox="1"/>
           <p:nvPr>
             <p:ph idx="1" type="body"/>
@@ -1509,7 +1809,7 @@
       </p:grpSpPr>
       <p:sp>
         <p:nvSpPr>
-          <p:cNvPr id="78" name="Google Shape;78;g2c85373392e_0_0:notes"/>
+          <p:cNvPr id="78" name="Google Shape;78;g2c8ad3b5eda_0_0:notes"/>
           <p:cNvSpPr/>
           <p:nvPr>
             <p:ph idx="2" type="sldImg"/>
@@ -1544,7 +1844,7 @@
       </p:sp>
       <p:sp>
         <p:nvSpPr>
-          <p:cNvPr id="79" name="Google Shape;79;g2c85373392e_0_0:notes"/>
+          <p:cNvPr id="79" name="Google Shape;79;g2c8ad3b5eda_0_0:notes"/>
           <p:cNvSpPr txBox="1"/>
           <p:nvPr>
             <p:ph idx="1" type="body"/>
@@ -1594,7 +1894,7 @@
   <p:cSld>
     <p:spTree>
       <p:nvGrpSpPr>
-        <p:cNvPr id="84" name="Shape 84"/>
+        <p:cNvPr id="82" name="Shape 82"/>
         <p:cNvGrpSpPr/>
         <p:nvPr/>
       </p:nvGrpSpPr>
@@ -1608,7 +1908,7 @@
       </p:grpSpPr>
       <p:sp>
         <p:nvSpPr>
-          <p:cNvPr id="85" name="Google Shape;85;g2c85373392e_0_6:notes"/>
+          <p:cNvPr id="83" name="Google Shape;83;g2c85373392e_0_0:notes"/>
           <p:cNvSpPr/>
           <p:nvPr>
             <p:ph idx="2" type="sldImg"/>
@@ -1643,7 +1943,7 @@
       </p:sp>
       <p:sp>
         <p:nvSpPr>
-          <p:cNvPr id="86" name="Google Shape;86;g2c85373392e_0_6:notes"/>
+          <p:cNvPr id="84" name="Google Shape;84;g2c85373392e_0_0:notes"/>
           <p:cNvSpPr txBox="1"/>
           <p:nvPr>
             <p:ph idx="1" type="body"/>
@@ -1693,7 +1993,7 @@
   <p:cSld>
     <p:spTree>
       <p:nvGrpSpPr>
-        <p:cNvPr id="90" name="Shape 90"/>
+        <p:cNvPr id="89" name="Shape 89"/>
         <p:cNvGrpSpPr/>
         <p:nvPr/>
       </p:nvGrpSpPr>
@@ -1707,7 +2007,7 @@
       </p:grpSpPr>
       <p:sp>
         <p:nvSpPr>
-          <p:cNvPr id="91" name="Google Shape;91;g2c85373392e_0_11:notes"/>
+          <p:cNvPr id="90" name="Google Shape;90;g2c85373392e_0_6:notes"/>
           <p:cNvSpPr/>
           <p:nvPr>
             <p:ph idx="2" type="sldImg"/>
@@ -1742,7 +2042,7 @@
       </p:sp>
       <p:sp>
         <p:nvSpPr>
-          <p:cNvPr id="92" name="Google Shape;92;g2c85373392e_0_11:notes"/>
+          <p:cNvPr id="91" name="Google Shape;91;g2c85373392e_0_6:notes"/>
           <p:cNvSpPr txBox="1"/>
           <p:nvPr>
             <p:ph idx="1" type="body"/>
@@ -1792,7 +2092,7 @@
   <p:cSld>
     <p:spTree>
       <p:nvGrpSpPr>
-        <p:cNvPr id="96" name="Shape 96"/>
+        <p:cNvPr id="95" name="Shape 95"/>
         <p:cNvGrpSpPr/>
         <p:nvPr/>
       </p:nvGrpSpPr>
@@ -1806,7 +2106,7 @@
       </p:grpSpPr>
       <p:sp>
         <p:nvSpPr>
-          <p:cNvPr id="97" name="Google Shape;97;g2c85373392e_0_16:notes"/>
+          <p:cNvPr id="96" name="Google Shape;96;g2c85373392e_0_11:notes"/>
           <p:cNvSpPr/>
           <p:nvPr>
             <p:ph idx="2" type="sldImg"/>
@@ -1841,7 +2141,7 @@
       </p:sp>
       <p:sp>
         <p:nvSpPr>
-          <p:cNvPr id="98" name="Google Shape;98;g2c85373392e_0_16:notes"/>
+          <p:cNvPr id="97" name="Google Shape;97;g2c85373392e_0_11:notes"/>
           <p:cNvSpPr txBox="1"/>
           <p:nvPr>
             <p:ph idx="1" type="body"/>
@@ -1891,7 +2191,7 @@
   <p:cSld>
     <p:spTree>
       <p:nvGrpSpPr>
-        <p:cNvPr id="102" name="Shape 102"/>
+        <p:cNvPr id="101" name="Shape 101"/>
         <p:cNvGrpSpPr/>
         <p:nvPr/>
       </p:nvGrpSpPr>
@@ -1905,7 +2205,7 @@
       </p:grpSpPr>
       <p:sp>
         <p:nvSpPr>
-          <p:cNvPr id="103" name="Google Shape;103;g2c85373392e_0_21:notes"/>
+          <p:cNvPr id="102" name="Google Shape;102;g2c85373392e_0_16:notes"/>
           <p:cNvSpPr/>
           <p:nvPr>
             <p:ph idx="2" type="sldImg"/>
@@ -1940,7 +2240,7 @@
       </p:sp>
       <p:sp>
         <p:nvSpPr>
-          <p:cNvPr id="104" name="Google Shape;104;g2c85373392e_0_21:notes"/>
+          <p:cNvPr id="103" name="Google Shape;103;g2c85373392e_0_16:notes"/>
           <p:cNvSpPr txBox="1"/>
           <p:nvPr>
             <p:ph idx="1" type="body"/>
@@ -6784,7 +7084,7 @@
   <p:cSld>
     <p:spTree>
       <p:nvGrpSpPr>
-        <p:cNvPr id="111" name="Shape 111"/>
+        <p:cNvPr id="112" name="Shape 112"/>
         <p:cNvGrpSpPr/>
         <p:nvPr/>
       </p:nvGrpSpPr>
@@ -6798,7 +7098,7 @@
       </p:grpSpPr>
       <p:sp>
         <p:nvSpPr>
-          <p:cNvPr id="112" name="Google Shape;112;p22"/>
+          <p:cNvPr id="113" name="Google Shape;113;p22"/>
           <p:cNvSpPr txBox="1"/>
           <p:nvPr>
             <p:ph type="title"/>
@@ -6830,7 +7130,7 @@
             </a:pPr>
             <a:r>
               <a:rPr lang="ko"/>
-              <a:t>개발공정</a:t>
+              <a:t>목표시스템</a:t>
             </a:r>
             <a:endParaRPr/>
           </a:p>
@@ -6838,7 +7138,7 @@
       </p:sp>
       <p:sp>
         <p:nvSpPr>
-          <p:cNvPr id="113" name="Google Shape;113;p22"/>
+          <p:cNvPr id="114" name="Google Shape;114;p22"/>
           <p:cNvSpPr txBox="1"/>
           <p:nvPr>
             <p:ph idx="1" type="body"/>
@@ -6864,12 +7164,119 @@
                 <a:spcPts val="0"/>
               </a:spcBef>
               <a:spcAft>
-                <a:spcPts val="1200"/>
+                <a:spcPts val="0"/>
               </a:spcAft>
               <a:buNone/>
             </a:pPr>
             <a:r>
-              <a:t/>
+              <a:rPr lang="ko"/>
+              <a:t>한국과 미국,일본,프랑스,영국,캐나다에 대한 자료를 수집한 뒤 비교자료를 통해 가설을 증명하는 시스템</a:t>
+            </a:r>
+            <a:endParaRPr/>
+          </a:p>
+          <a:p>
+            <a:pPr indent="-342900" lvl="0" marL="457200" rtl="0" algn="l">
+              <a:spcBef>
+                <a:spcPts val="1200"/>
+              </a:spcBef>
+              <a:spcAft>
+                <a:spcPts val="0"/>
+              </a:spcAft>
+              <a:buSzPts val="1800"/>
+              <a:buAutoNum type="arabicPeriod"/>
+            </a:pPr>
+            <a:r>
+              <a:rPr lang="ko"/>
+              <a:t>CCTV </a:t>
+            </a:r>
+            <a:r>
+              <a:rPr lang="ko"/>
+              <a:t>개수</a:t>
+            </a:r>
+            <a:endParaRPr/>
+          </a:p>
+          <a:p>
+            <a:pPr indent="-342900" lvl="0" marL="457200" rtl="0" algn="l">
+              <a:spcBef>
+                <a:spcPts val="0"/>
+              </a:spcBef>
+              <a:spcAft>
+                <a:spcPts val="0"/>
+              </a:spcAft>
+              <a:buSzPts val="1800"/>
+              <a:buAutoNum type="arabicPeriod"/>
+            </a:pPr>
+            <a:r>
+              <a:rPr lang="ko"/>
+              <a:t>경찰 인원 / 전체인구수</a:t>
+            </a:r>
+            <a:endParaRPr/>
+          </a:p>
+          <a:p>
+            <a:pPr indent="-342900" lvl="0" marL="457200" rtl="0" algn="l">
+              <a:spcBef>
+                <a:spcPts val="0"/>
+              </a:spcBef>
+              <a:spcAft>
+                <a:spcPts val="0"/>
+              </a:spcAft>
+              <a:buSzPts val="1800"/>
+              <a:buAutoNum type="arabicPeriod"/>
+            </a:pPr>
+            <a:r>
+              <a:rPr lang="ko"/>
+              <a:t>검거율</a:t>
+            </a:r>
+            <a:endParaRPr/>
+          </a:p>
+          <a:p>
+            <a:pPr indent="-342900" lvl="0" marL="457200" rtl="0" algn="l">
+              <a:spcBef>
+                <a:spcPts val="0"/>
+              </a:spcBef>
+              <a:spcAft>
+                <a:spcPts val="0"/>
+              </a:spcAft>
+              <a:buSzPts val="1800"/>
+              <a:buAutoNum type="arabicPeriod"/>
+            </a:pPr>
+            <a:r>
+              <a:rPr lang="ko"/>
+              <a:t>재범률</a:t>
+            </a:r>
+            <a:endParaRPr/>
+          </a:p>
+          <a:p>
+            <a:pPr indent="-342900" lvl="0" marL="457200" rtl="0" algn="l">
+              <a:spcBef>
+                <a:spcPts val="0"/>
+              </a:spcBef>
+              <a:spcAft>
+                <a:spcPts val="0"/>
+              </a:spcAft>
+              <a:buSzPts val="1800"/>
+              <a:buAutoNum type="arabicPeriod"/>
+            </a:pPr>
+            <a:r>
+              <a:rPr lang="ko"/>
+              <a:t>신고율</a:t>
+            </a:r>
+            <a:endParaRPr/>
+          </a:p>
+          <a:p>
+            <a:pPr indent="-342900" lvl="0" marL="457200" rtl="0" algn="l">
+              <a:spcBef>
+                <a:spcPts val="0"/>
+              </a:spcBef>
+              <a:spcAft>
+                <a:spcPts val="0"/>
+              </a:spcAft>
+              <a:buSzPts val="1800"/>
+              <a:buAutoNum type="arabicPeriod"/>
+            </a:pPr>
+            <a:r>
+              <a:rPr lang="ko"/>
+              <a:t>4대 범죄 건수 (살인, 강간, 절도, 폭행)</a:t>
             </a:r>
             <a:endParaRPr/>
           </a:p>
@@ -6888,7 +7295,7 @@
   <p:cSld>
     <p:spTree>
       <p:nvGrpSpPr>
-        <p:cNvPr id="117" name="Shape 117"/>
+        <p:cNvPr id="118" name="Shape 118"/>
         <p:cNvGrpSpPr/>
         <p:nvPr/>
       </p:nvGrpSpPr>
@@ -6902,7 +7309,7 @@
       </p:grpSpPr>
       <p:sp>
         <p:nvSpPr>
-          <p:cNvPr id="118" name="Google Shape;118;p23"/>
+          <p:cNvPr id="119" name="Google Shape;119;p23"/>
           <p:cNvSpPr txBox="1"/>
           <p:nvPr>
             <p:ph type="title"/>
@@ -6934,7 +7341,7 @@
             </a:pPr>
             <a:r>
               <a:rPr lang="ko"/>
-              <a:t>산출물</a:t>
+              <a:t>개발공정</a:t>
             </a:r>
             <a:endParaRPr/>
           </a:p>
@@ -6942,7 +7349,7 @@
       </p:sp>
       <p:sp>
         <p:nvSpPr>
-          <p:cNvPr id="119" name="Google Shape;119;p23"/>
+          <p:cNvPr id="120" name="Google Shape;120;p23"/>
           <p:cNvSpPr txBox="1"/>
           <p:nvPr>
             <p:ph idx="1" type="body"/>
@@ -6992,7 +7399,7 @@
   <p:cSld>
     <p:spTree>
       <p:nvGrpSpPr>
-        <p:cNvPr id="123" name="Shape 123"/>
+        <p:cNvPr id="124" name="Shape 124"/>
         <p:cNvGrpSpPr/>
         <p:nvPr/>
       </p:nvGrpSpPr>
@@ -7006,7 +7413,7 @@
       </p:grpSpPr>
       <p:sp>
         <p:nvSpPr>
-          <p:cNvPr id="124" name="Google Shape;124;p24"/>
+          <p:cNvPr id="125" name="Google Shape;125;p24"/>
           <p:cNvSpPr txBox="1"/>
           <p:nvPr>
             <p:ph type="title"/>
@@ -7038,7 +7445,7 @@
             </a:pPr>
             <a:r>
               <a:rPr lang="ko"/>
-              <a:t>이슈사항</a:t>
+              <a:t>산출물</a:t>
             </a:r>
             <a:endParaRPr/>
           </a:p>
@@ -7046,7 +7453,7 @@
       </p:sp>
       <p:sp>
         <p:nvSpPr>
-          <p:cNvPr id="125" name="Google Shape;125;p24"/>
+          <p:cNvPr id="126" name="Google Shape;126;p24"/>
           <p:cNvSpPr txBox="1"/>
           <p:nvPr>
             <p:ph idx="1" type="body"/>
@@ -7067,60 +7474,9 @@
           </a:bodyPr>
           <a:lstStyle/>
           <a:p>
-            <a:pPr indent="-342900" lvl="0" marL="457200" rtl="0" algn="l">
-              <a:spcBef>
-                <a:spcPts val="0"/>
-              </a:spcBef>
-              <a:spcAft>
-                <a:spcPts val="0"/>
-              </a:spcAft>
-              <a:buSzPts val="1800"/>
-              <a:buAutoNum type="arabicPeriod"/>
-            </a:pPr>
-            <a:r>
-              <a:rPr lang="ko"/>
-              <a:t>국가별 데이터 포맷이 다를 수 있다.</a:t>
-            </a:r>
-            <a:endParaRPr/>
-          </a:p>
-          <a:p>
-            <a:pPr indent="-342900" lvl="0" marL="457200" rtl="0" algn="l">
-              <a:spcBef>
-                <a:spcPts val="0"/>
-              </a:spcBef>
-              <a:spcAft>
-                <a:spcPts val="0"/>
-              </a:spcAft>
-              <a:buSzPts val="1800"/>
-              <a:buAutoNum type="arabicPeriod"/>
-            </a:pPr>
-            <a:r>
-              <a:rPr lang="ko"/>
-              <a:t>국가별 필요 데이터가 없을 수 있다.</a:t>
-            </a:r>
-            <a:endParaRPr/>
-          </a:p>
-          <a:p>
-            <a:pPr indent="-342900" lvl="0" marL="457200" rtl="0" algn="l">
-              <a:spcBef>
-                <a:spcPts val="0"/>
-              </a:spcBef>
-              <a:spcAft>
-                <a:spcPts val="0"/>
-              </a:spcAft>
-              <a:buSzPts val="1800"/>
-              <a:buAutoNum type="arabicPeriod"/>
-            </a:pPr>
-            <a:r>
-              <a:rPr lang="ko"/>
-              <a:t>대립가설을 증명하는 데이터가 역으로 가설을 증명할 수도 있다.</a:t>
-            </a:r>
-            <a:endParaRPr/>
-          </a:p>
-          <a:p>
-            <a:pPr indent="0" lvl="0" marL="457200" rtl="0" algn="l">
-              <a:spcBef>
-                <a:spcPts val="1200"/>
+            <a:pPr indent="0" lvl="0" marL="0" rtl="0" algn="l">
+              <a:spcBef>
+                <a:spcPts val="0"/>
               </a:spcBef>
               <a:spcAft>
                 <a:spcPts val="1200"/>
@@ -7147,7 +7503,7 @@
   <p:cSld>
     <p:spTree>
       <p:nvGrpSpPr>
-        <p:cNvPr id="129" name="Shape 129"/>
+        <p:cNvPr id="130" name="Shape 130"/>
         <p:cNvGrpSpPr/>
         <p:nvPr/>
       </p:nvGrpSpPr>
@@ -7161,7 +7517,612 @@
       </p:grpSpPr>
       <p:sp>
         <p:nvSpPr>
-          <p:cNvPr id="130" name="Google Shape;130;p25"/>
+          <p:cNvPr id="131" name="Google Shape;131;p25"/>
+          <p:cNvSpPr txBox="1"/>
+          <p:nvPr>
+            <p:ph type="title"/>
+          </p:nvPr>
+        </p:nvSpPr>
+        <p:spPr>
+          <a:xfrm>
+            <a:off x="311700" y="445025"/>
+            <a:ext cx="8520600" cy="572700"/>
+          </a:xfrm>
+          <a:prstGeom prst="rect">
+            <a:avLst/>
+          </a:prstGeom>
+        </p:spPr>
+        <p:txBody>
+          <a:bodyPr anchorCtr="0" anchor="t" bIns="91425" lIns="91425" spcFirstLastPara="1" rIns="91425" wrap="square" tIns="91425">
+            <a:normAutofit fontScale="90000"/>
+          </a:bodyPr>
+          <a:lstStyle/>
+          <a:p>
+            <a:pPr indent="0" lvl="0" marL="0" rtl="0" algn="l">
+              <a:spcBef>
+                <a:spcPts val="0"/>
+              </a:spcBef>
+              <a:spcAft>
+                <a:spcPts val="0"/>
+              </a:spcAft>
+              <a:buNone/>
+            </a:pPr>
+            <a:r>
+              <a:rPr lang="ko"/>
+              <a:t>이슈사항</a:t>
+            </a:r>
+            <a:endParaRPr/>
+          </a:p>
+        </p:txBody>
+      </p:sp>
+      <p:sp>
+        <p:nvSpPr>
+          <p:cNvPr id="132" name="Google Shape;132;p25"/>
+          <p:cNvSpPr txBox="1"/>
+          <p:nvPr>
+            <p:ph idx="1" type="body"/>
+          </p:nvPr>
+        </p:nvSpPr>
+        <p:spPr>
+          <a:xfrm>
+            <a:off x="311700" y="1152475"/>
+            <a:ext cx="8520600" cy="3416400"/>
+          </a:xfrm>
+          <a:prstGeom prst="rect">
+            <a:avLst/>
+          </a:prstGeom>
+        </p:spPr>
+        <p:txBody>
+          <a:bodyPr anchorCtr="0" anchor="t" bIns="91425" lIns="91425" spcFirstLastPara="1" rIns="91425" wrap="square" tIns="91425">
+            <a:normAutofit/>
+          </a:bodyPr>
+          <a:lstStyle/>
+          <a:p>
+            <a:pPr indent="-342900" lvl="0" marL="457200" rtl="0" algn="l">
+              <a:spcBef>
+                <a:spcPts val="0"/>
+              </a:spcBef>
+              <a:spcAft>
+                <a:spcPts val="0"/>
+              </a:spcAft>
+              <a:buSzPts val="1800"/>
+              <a:buAutoNum type="arabicPeriod"/>
+            </a:pPr>
+            <a:r>
+              <a:rPr lang="ko"/>
+              <a:t>국가별 데이터 포맷이 다를 수 있다.</a:t>
+            </a:r>
+            <a:endParaRPr/>
+          </a:p>
+          <a:p>
+            <a:pPr indent="-342900" lvl="0" marL="457200" rtl="0" algn="l">
+              <a:spcBef>
+                <a:spcPts val="0"/>
+              </a:spcBef>
+              <a:spcAft>
+                <a:spcPts val="0"/>
+              </a:spcAft>
+              <a:buSzPts val="1800"/>
+              <a:buAutoNum type="arabicPeriod"/>
+            </a:pPr>
+            <a:r>
+              <a:rPr lang="ko"/>
+              <a:t>국가별 필요 데이터가 없을 수 있다.</a:t>
+            </a:r>
+            <a:endParaRPr/>
+          </a:p>
+          <a:p>
+            <a:pPr indent="-342900" lvl="0" marL="457200" rtl="0" algn="l">
+              <a:spcBef>
+                <a:spcPts val="0"/>
+              </a:spcBef>
+              <a:spcAft>
+                <a:spcPts val="0"/>
+              </a:spcAft>
+              <a:buSzPts val="1800"/>
+              <a:buAutoNum type="arabicPeriod"/>
+            </a:pPr>
+            <a:r>
+              <a:rPr lang="ko"/>
+              <a:t>대립가설을 증명하는 데이터가 역으로 가설을 증명할 수도 있다.</a:t>
+            </a:r>
+            <a:endParaRPr/>
+          </a:p>
+          <a:p>
+            <a:pPr indent="0" lvl="0" marL="457200" rtl="0" algn="l">
+              <a:spcBef>
+                <a:spcPts val="1200"/>
+              </a:spcBef>
+              <a:spcAft>
+                <a:spcPts val="1200"/>
+              </a:spcAft>
+              <a:buNone/>
+            </a:pPr>
+            <a:r>
+              <a:t/>
+            </a:r>
+            <a:endParaRPr/>
+          </a:p>
+        </p:txBody>
+      </p:sp>
+    </p:spTree>
+  </p:cSld>
+  <p:clrMapOvr>
+    <a:masterClrMapping/>
+  </p:clrMapOvr>
+</p:sld>
+</file>
+
+<file path=ppt/slides/slide14.xml><?xml version="1.0" encoding="utf-8"?>
+<p:sld xmlns:a="http://schemas.openxmlformats.org/drawingml/2006/main" xmlns:r="http://schemas.openxmlformats.org/officeDocument/2006/relationships" xmlns:mc="http://schemas.openxmlformats.org/markup-compatibility/2006" xmlns:mv="urn:schemas-microsoft-com:mac:vml" xmlns:p="http://schemas.openxmlformats.org/presentationml/2006/main" xmlns:c="http://schemas.openxmlformats.org/drawingml/2006/chart" xmlns:dgm="http://schemas.openxmlformats.org/drawingml/2006/diagram" xmlns:o="urn:schemas-microsoft-com:office:office" xmlns:v="urn:schemas-microsoft-com:vml" xmlns:pvml="urn:schemas-microsoft-com:office:powerpoint" xmlns:com="http://schemas.openxmlformats.org/drawingml/2006/compatibility" xmlns:p14="http://schemas.microsoft.com/office/powerpoint/2010/main" xmlns:p15="http://schemas.microsoft.com/office/powerpoint/2012/main" xmlns:ahyp="http://schemas.microsoft.com/office/drawing/2018/hyperlinkcolor">
+  <p:cSld>
+    <p:spTree>
+      <p:nvGrpSpPr>
+        <p:cNvPr id="136" name="Shape 136"/>
+        <p:cNvGrpSpPr/>
+        <p:nvPr/>
+      </p:nvGrpSpPr>
+      <p:grpSpPr>
+        <a:xfrm>
+          <a:off x="0" y="0"/>
+          <a:ext cx="0" cy="0"/>
+          <a:chOff x="0" y="0"/>
+          <a:chExt cx="0" cy="0"/>
+        </a:xfrm>
+      </p:grpSpPr>
+      <p:sp>
+        <p:nvSpPr>
+          <p:cNvPr id="137" name="Google Shape;137;p26"/>
+          <p:cNvSpPr txBox="1"/>
+          <p:nvPr>
+            <p:ph type="title"/>
+          </p:nvPr>
+        </p:nvSpPr>
+        <p:spPr>
+          <a:xfrm>
+            <a:off x="311700" y="445025"/>
+            <a:ext cx="8520600" cy="572700"/>
+          </a:xfrm>
+          <a:prstGeom prst="rect">
+            <a:avLst/>
+          </a:prstGeom>
+        </p:spPr>
+        <p:txBody>
+          <a:bodyPr anchorCtr="0" anchor="t" bIns="91425" lIns="91425" spcFirstLastPara="1" rIns="91425" wrap="square" tIns="91425">
+            <a:normAutofit fontScale="90000"/>
+          </a:bodyPr>
+          <a:lstStyle/>
+          <a:p>
+            <a:pPr indent="0" lvl="0" marL="0" rtl="0" algn="l">
+              <a:spcBef>
+                <a:spcPts val="0"/>
+              </a:spcBef>
+              <a:spcAft>
+                <a:spcPts val="0"/>
+              </a:spcAft>
+              <a:buNone/>
+            </a:pPr>
+            <a:r>
+              <a:rPr lang="ko"/>
+              <a:t>데이터 전처리</a:t>
+            </a:r>
+            <a:endParaRPr/>
+          </a:p>
+        </p:txBody>
+      </p:sp>
+      <p:sp>
+        <p:nvSpPr>
+          <p:cNvPr id="138" name="Google Shape;138;p26"/>
+          <p:cNvSpPr txBox="1"/>
+          <p:nvPr>
+            <p:ph idx="1" type="body"/>
+          </p:nvPr>
+        </p:nvSpPr>
+        <p:spPr>
+          <a:xfrm>
+            <a:off x="311700" y="1152475"/>
+            <a:ext cx="8520600" cy="3416400"/>
+          </a:xfrm>
+          <a:prstGeom prst="rect">
+            <a:avLst/>
+          </a:prstGeom>
+        </p:spPr>
+        <p:txBody>
+          <a:bodyPr anchorCtr="0" anchor="t" bIns="91425" lIns="91425" spcFirstLastPara="1" rIns="91425" wrap="square" tIns="91425">
+            <a:normAutofit/>
+          </a:bodyPr>
+          <a:lstStyle/>
+          <a:p>
+            <a:pPr indent="0" lvl="0" marL="0" rtl="0" algn="l">
+              <a:spcBef>
+                <a:spcPts val="0"/>
+              </a:spcBef>
+              <a:spcAft>
+                <a:spcPts val="0"/>
+              </a:spcAft>
+              <a:buNone/>
+            </a:pPr>
+            <a:r>
+              <a:rPr lang="ko"/>
+              <a:t>CSV읽기 -&gt; 필요한 컬럼만 자르기 -&gt; 인덱스 설정 -&gt; 필요한 인덱스만 추출</a:t>
+            </a:r>
+            <a:endParaRPr/>
+          </a:p>
+          <a:p>
+            <a:pPr indent="0" lvl="0" marL="0" rtl="0" algn="l">
+              <a:spcBef>
+                <a:spcPts val="1200"/>
+              </a:spcBef>
+              <a:spcAft>
+                <a:spcPts val="1200"/>
+              </a:spcAft>
+              <a:buNone/>
+            </a:pPr>
+            <a:r>
+              <a:rPr lang="ko"/>
+              <a:t>-&gt; 새로운 데이터 프레임 만들기 -&gt; 국가별 통합</a:t>
+            </a:r>
+            <a:endParaRPr/>
+          </a:p>
+        </p:txBody>
+      </p:sp>
+    </p:spTree>
+  </p:cSld>
+  <p:clrMapOvr>
+    <a:masterClrMapping/>
+  </p:clrMapOvr>
+</p:sld>
+</file>
+
+<file path=ppt/slides/slide15.xml><?xml version="1.0" encoding="utf-8"?>
+<p:sld xmlns:a="http://schemas.openxmlformats.org/drawingml/2006/main" xmlns:r="http://schemas.openxmlformats.org/officeDocument/2006/relationships" xmlns:mc="http://schemas.openxmlformats.org/markup-compatibility/2006" xmlns:mv="urn:schemas-microsoft-com:mac:vml" xmlns:p="http://schemas.openxmlformats.org/presentationml/2006/main" xmlns:c="http://schemas.openxmlformats.org/drawingml/2006/chart" xmlns:dgm="http://schemas.openxmlformats.org/drawingml/2006/diagram" xmlns:o="urn:schemas-microsoft-com:office:office" xmlns:v="urn:schemas-microsoft-com:vml" xmlns:pvml="urn:schemas-microsoft-com:office:powerpoint" xmlns:com="http://schemas.openxmlformats.org/drawingml/2006/compatibility" xmlns:p14="http://schemas.microsoft.com/office/powerpoint/2010/main" xmlns:p15="http://schemas.microsoft.com/office/powerpoint/2012/main" xmlns:ahyp="http://schemas.microsoft.com/office/drawing/2018/hyperlinkcolor">
+  <p:cSld>
+    <p:spTree>
+      <p:nvGrpSpPr>
+        <p:cNvPr id="142" name="Shape 142"/>
+        <p:cNvGrpSpPr/>
+        <p:nvPr/>
+      </p:nvGrpSpPr>
+      <p:grpSpPr>
+        <a:xfrm>
+          <a:off x="0" y="0"/>
+          <a:ext cx="0" cy="0"/>
+          <a:chOff x="0" y="0"/>
+          <a:chExt cx="0" cy="0"/>
+        </a:xfrm>
+      </p:grpSpPr>
+      <p:sp>
+        <p:nvSpPr>
+          <p:cNvPr id="143" name="Google Shape;143;p27"/>
+          <p:cNvSpPr txBox="1"/>
+          <p:nvPr>
+            <p:ph idx="1" type="body"/>
+          </p:nvPr>
+        </p:nvSpPr>
+        <p:spPr>
+          <a:xfrm>
+            <a:off x="311700" y="110100"/>
+            <a:ext cx="3038700" cy="4458900"/>
+          </a:xfrm>
+          <a:prstGeom prst="rect">
+            <a:avLst/>
+          </a:prstGeom>
+        </p:spPr>
+        <p:txBody>
+          <a:bodyPr anchorCtr="0" anchor="t" bIns="91425" lIns="91425" spcFirstLastPara="1" rIns="91425" wrap="square" tIns="91425">
+            <a:normAutofit/>
+          </a:bodyPr>
+          <a:lstStyle/>
+          <a:p>
+            <a:pPr indent="0" lvl="0" marL="0" rtl="0" algn="l">
+              <a:spcBef>
+                <a:spcPts val="0"/>
+              </a:spcBef>
+              <a:spcAft>
+                <a:spcPts val="0"/>
+              </a:spcAft>
+              <a:buNone/>
+            </a:pPr>
+            <a:r>
+              <a:rPr lang="ko"/>
+              <a:t>4대범죄건수</a:t>
+            </a:r>
+            <a:endParaRPr/>
+          </a:p>
+          <a:p>
+            <a:pPr indent="0" lvl="0" marL="0" rtl="0" algn="l">
+              <a:spcBef>
+                <a:spcPts val="1200"/>
+              </a:spcBef>
+              <a:spcAft>
+                <a:spcPts val="0"/>
+              </a:spcAft>
+              <a:buNone/>
+            </a:pPr>
+            <a:r>
+              <a:rPr lang="ko"/>
+              <a:t>Index([</a:t>
+            </a:r>
+            <a:endParaRPr/>
+          </a:p>
+          <a:p>
+            <a:pPr indent="0" lvl="0" marL="0" rtl="0" algn="l">
+              <a:spcBef>
+                <a:spcPts val="1200"/>
+              </a:spcBef>
+              <a:spcAft>
+                <a:spcPts val="0"/>
+              </a:spcAft>
+              <a:buNone/>
+            </a:pPr>
+            <a:r>
+              <a:rPr lang="ko"/>
+              <a:t>“살인”,”강간”,”절도”,”폭행”</a:t>
+            </a:r>
+            <a:endParaRPr/>
+          </a:p>
+          <a:p>
+            <a:pPr indent="0" lvl="0" marL="0" rtl="0" algn="l">
+              <a:spcBef>
+                <a:spcPts val="1200"/>
+              </a:spcBef>
+              <a:spcAft>
+                <a:spcPts val="0"/>
+              </a:spcAft>
+              <a:buNone/>
+            </a:pPr>
+            <a:r>
+              <a:rPr lang="ko"/>
+              <a:t>])</a:t>
+            </a:r>
+            <a:endParaRPr/>
+          </a:p>
+          <a:p>
+            <a:pPr indent="0" lvl="0" marL="0" rtl="0" algn="l">
+              <a:spcBef>
+                <a:spcPts val="1200"/>
+              </a:spcBef>
+              <a:spcAft>
+                <a:spcPts val="0"/>
+              </a:spcAft>
+              <a:buNone/>
+            </a:pPr>
+            <a:r>
+              <a:rPr lang="ko"/>
+              <a:t>경찰관수</a:t>
+            </a:r>
+            <a:endParaRPr/>
+          </a:p>
+          <a:p>
+            <a:pPr indent="0" lvl="0" marL="0" rtl="0" algn="l">
+              <a:spcBef>
+                <a:spcPts val="1200"/>
+              </a:spcBef>
+              <a:spcAft>
+                <a:spcPts val="0"/>
+              </a:spcAft>
+              <a:buNone/>
+            </a:pPr>
+            <a:r>
+              <a:rPr lang="ko"/>
+              <a:t>Index([</a:t>
+            </a:r>
+            <a:endParaRPr/>
+          </a:p>
+          <a:p>
+            <a:pPr indent="0" lvl="0" marL="0" rtl="0" algn="l">
+              <a:spcBef>
+                <a:spcPts val="1200"/>
+              </a:spcBef>
+              <a:spcAft>
+                <a:spcPts val="0"/>
+              </a:spcAft>
+              <a:buNone/>
+            </a:pPr>
+            <a:r>
+              <a:rPr lang="ko"/>
+              <a:t>“총경찰관수”,”총인구수”</a:t>
+            </a:r>
+            <a:endParaRPr/>
+          </a:p>
+          <a:p>
+            <a:pPr indent="0" lvl="0" marL="0" rtl="0" algn="l">
+              <a:spcBef>
+                <a:spcPts val="1200"/>
+              </a:spcBef>
+              <a:spcAft>
+                <a:spcPts val="1200"/>
+              </a:spcAft>
+              <a:buNone/>
+            </a:pPr>
+            <a:r>
+              <a:rPr lang="ko"/>
+              <a:t>])</a:t>
+            </a:r>
+            <a:endParaRPr/>
+          </a:p>
+        </p:txBody>
+      </p:sp>
+      <p:sp>
+        <p:nvSpPr>
+          <p:cNvPr id="144" name="Google Shape;144;p27"/>
+          <p:cNvSpPr txBox="1"/>
+          <p:nvPr>
+            <p:ph idx="1" type="body"/>
+          </p:nvPr>
+        </p:nvSpPr>
+        <p:spPr>
+          <a:xfrm>
+            <a:off x="3350400" y="110100"/>
+            <a:ext cx="3038700" cy="4458900"/>
+          </a:xfrm>
+          <a:prstGeom prst="rect">
+            <a:avLst/>
+          </a:prstGeom>
+        </p:spPr>
+        <p:txBody>
+          <a:bodyPr anchorCtr="0" anchor="t" bIns="91425" lIns="91425" spcFirstLastPara="1" rIns="91425" wrap="square" tIns="91425">
+            <a:normAutofit/>
+          </a:bodyPr>
+          <a:lstStyle/>
+          <a:p>
+            <a:pPr indent="0" lvl="0" marL="0" rtl="0" algn="l">
+              <a:spcBef>
+                <a:spcPts val="0"/>
+              </a:spcBef>
+              <a:spcAft>
+                <a:spcPts val="0"/>
+              </a:spcAft>
+              <a:buNone/>
+            </a:pPr>
+            <a:r>
+              <a:rPr lang="ko"/>
+              <a:t>CCTV</a:t>
+            </a:r>
+            <a:endParaRPr/>
+          </a:p>
+          <a:p>
+            <a:pPr indent="0" lvl="0" marL="0" rtl="0" algn="l">
+              <a:spcBef>
+                <a:spcPts val="1200"/>
+              </a:spcBef>
+              <a:spcAft>
+                <a:spcPts val="0"/>
+              </a:spcAft>
+              <a:buNone/>
+            </a:pPr>
+            <a:r>
+              <a:rPr lang="ko"/>
+              <a:t>Index([</a:t>
+            </a:r>
+            <a:endParaRPr/>
+          </a:p>
+          <a:p>
+            <a:pPr indent="0" lvl="0" marL="0" rtl="0" algn="l">
+              <a:spcBef>
+                <a:spcPts val="1200"/>
+              </a:spcBef>
+              <a:spcAft>
+                <a:spcPts val="0"/>
+              </a:spcAft>
+              <a:buNone/>
+            </a:pPr>
+            <a:r>
+              <a:rPr lang="ko"/>
+              <a:t>“총CCTV수”,”총인구수”</a:t>
+            </a:r>
+            <a:endParaRPr/>
+          </a:p>
+          <a:p>
+            <a:pPr indent="0" lvl="0" marL="0" rtl="0" algn="l">
+              <a:spcBef>
+                <a:spcPts val="1200"/>
+              </a:spcBef>
+              <a:spcAft>
+                <a:spcPts val="0"/>
+              </a:spcAft>
+              <a:buNone/>
+            </a:pPr>
+            <a:r>
+              <a:rPr lang="ko"/>
+              <a:t>])</a:t>
+            </a:r>
+            <a:endParaRPr/>
+          </a:p>
+          <a:p>
+            <a:pPr indent="0" lvl="0" marL="0" rtl="0" algn="l">
+              <a:spcBef>
+                <a:spcPts val="1200"/>
+              </a:spcBef>
+              <a:spcAft>
+                <a:spcPts val="0"/>
+              </a:spcAft>
+              <a:buNone/>
+            </a:pPr>
+            <a:r>
+              <a:rPr lang="ko"/>
+              <a:t>재범률</a:t>
+            </a:r>
+            <a:endParaRPr/>
+          </a:p>
+          <a:p>
+            <a:pPr indent="0" lvl="0" marL="0" rtl="0" algn="l">
+              <a:spcBef>
+                <a:spcPts val="1200"/>
+              </a:spcBef>
+              <a:spcAft>
+                <a:spcPts val="0"/>
+              </a:spcAft>
+              <a:buNone/>
+            </a:pPr>
+            <a:r>
+              <a:rPr lang="ko"/>
+              <a:t>Index([</a:t>
+            </a:r>
+            <a:endParaRPr/>
+          </a:p>
+          <a:p>
+            <a:pPr indent="0" lvl="0" marL="0" rtl="0" algn="l">
+              <a:spcBef>
+                <a:spcPts val="1200"/>
+              </a:spcBef>
+              <a:spcAft>
+                <a:spcPts val="0"/>
+              </a:spcAft>
+              <a:buNone/>
+            </a:pPr>
+            <a:r>
+              <a:rPr lang="ko"/>
+              <a:t>“재범률”</a:t>
+            </a:r>
+            <a:endParaRPr/>
+          </a:p>
+          <a:p>
+            <a:pPr indent="0" lvl="0" marL="0" rtl="0" algn="l">
+              <a:spcBef>
+                <a:spcPts val="1200"/>
+              </a:spcBef>
+              <a:spcAft>
+                <a:spcPts val="1200"/>
+              </a:spcAft>
+              <a:buNone/>
+            </a:pPr>
+            <a:r>
+              <a:rPr lang="ko"/>
+              <a:t>])</a:t>
+            </a:r>
+            <a:endParaRPr/>
+          </a:p>
+        </p:txBody>
+      </p:sp>
+    </p:spTree>
+  </p:cSld>
+  <p:clrMapOvr>
+    <a:masterClrMapping/>
+  </p:clrMapOvr>
+</p:sld>
+</file>
+
+<file path=ppt/slides/slide16.xml><?xml version="1.0" encoding="utf-8"?>
+<p:sld xmlns:a="http://schemas.openxmlformats.org/drawingml/2006/main" xmlns:r="http://schemas.openxmlformats.org/officeDocument/2006/relationships" xmlns:mc="http://schemas.openxmlformats.org/markup-compatibility/2006" xmlns:mv="urn:schemas-microsoft-com:mac:vml" xmlns:p="http://schemas.openxmlformats.org/presentationml/2006/main" xmlns:c="http://schemas.openxmlformats.org/drawingml/2006/chart" xmlns:dgm="http://schemas.openxmlformats.org/drawingml/2006/diagram" xmlns:o="urn:schemas-microsoft-com:office:office" xmlns:v="urn:schemas-microsoft-com:vml" xmlns:pvml="urn:schemas-microsoft-com:office:powerpoint" xmlns:com="http://schemas.openxmlformats.org/drawingml/2006/compatibility" xmlns:p14="http://schemas.microsoft.com/office/powerpoint/2010/main" xmlns:p15="http://schemas.microsoft.com/office/powerpoint/2012/main" xmlns:ahyp="http://schemas.microsoft.com/office/drawing/2018/hyperlinkcolor">
+  <p:cSld>
+    <p:spTree>
+      <p:nvGrpSpPr>
+        <p:cNvPr id="148" name="Shape 148"/>
+        <p:cNvGrpSpPr/>
+        <p:nvPr/>
+      </p:nvGrpSpPr>
+      <p:grpSpPr>
+        <a:xfrm>
+          <a:off x="0" y="0"/>
+          <a:ext cx="0" cy="0"/>
+          <a:chOff x="0" y="0"/>
+          <a:chExt cx="0" cy="0"/>
+        </a:xfrm>
+      </p:grpSpPr>
+      <p:sp>
+        <p:nvSpPr>
+          <p:cNvPr id="149" name="Google Shape;149;p28"/>
           <p:cNvSpPr txBox="1"/>
           <p:nvPr>
             <p:ph type="title"/>
@@ -7201,7 +8162,7 @@
       </p:sp>
       <p:sp>
         <p:nvSpPr>
-          <p:cNvPr id="131" name="Google Shape;131;p25"/>
+          <p:cNvPr id="150" name="Google Shape;150;p28"/>
           <p:cNvSpPr txBox="1"/>
           <p:nvPr>
             <p:ph idx="1" type="body"/>
@@ -7771,9 +8732,62 @@
           <a:chExt cx="0" cy="0"/>
         </a:xfrm>
       </p:grpSpPr>
+      <p:pic>
+        <p:nvPicPr>
+          <p:cNvPr id="81" name="Google Shape;81;p17"/>
+          <p:cNvPicPr preferRelativeResize="0"/>
+          <p:nvPr/>
+        </p:nvPicPr>
+        <p:blipFill>
+          <a:blip r:embed="rId3">
+            <a:alphaModFix/>
+          </a:blip>
+          <a:stretch>
+            <a:fillRect/>
+          </a:stretch>
+        </p:blipFill>
+        <p:spPr>
+          <a:xfrm>
+            <a:off x="1655600" y="152400"/>
+            <a:ext cx="5832804" cy="4838701"/>
+          </a:xfrm>
+          <a:prstGeom prst="rect">
+            <a:avLst/>
+          </a:prstGeom>
+          <a:noFill/>
+          <a:ln>
+            <a:noFill/>
+          </a:ln>
+        </p:spPr>
+      </p:pic>
+    </p:spTree>
+  </p:cSld>
+  <p:clrMapOvr>
+    <a:masterClrMapping/>
+  </p:clrMapOvr>
+</p:sld>
+</file>
+
+<file path=ppt/slides/slide6.xml><?xml version="1.0" encoding="utf-8"?>
+<p:sld xmlns:a="http://schemas.openxmlformats.org/drawingml/2006/main" xmlns:r="http://schemas.openxmlformats.org/officeDocument/2006/relationships" xmlns:mc="http://schemas.openxmlformats.org/markup-compatibility/2006" xmlns:mv="urn:schemas-microsoft-com:mac:vml" xmlns:p="http://schemas.openxmlformats.org/presentationml/2006/main" xmlns:c="http://schemas.openxmlformats.org/drawingml/2006/chart" xmlns:dgm="http://schemas.openxmlformats.org/drawingml/2006/diagram" xmlns:o="urn:schemas-microsoft-com:office:office" xmlns:v="urn:schemas-microsoft-com:vml" xmlns:pvml="urn:schemas-microsoft-com:office:powerpoint" xmlns:com="http://schemas.openxmlformats.org/drawingml/2006/compatibility" xmlns:p14="http://schemas.microsoft.com/office/powerpoint/2010/main" xmlns:p15="http://schemas.microsoft.com/office/powerpoint/2012/main" xmlns:ahyp="http://schemas.microsoft.com/office/drawing/2018/hyperlinkcolor">
+  <p:cSld>
+    <p:spTree>
+      <p:nvGrpSpPr>
+        <p:cNvPr id="85" name="Shape 85"/>
+        <p:cNvGrpSpPr/>
+        <p:nvPr/>
+      </p:nvGrpSpPr>
+      <p:grpSpPr>
+        <a:xfrm>
+          <a:off x="0" y="0"/>
+          <a:ext cx="0" cy="0"/>
+          <a:chOff x="0" y="0"/>
+          <a:chExt cx="0" cy="0"/>
+        </a:xfrm>
+      </p:grpSpPr>
       <p:sp>
         <p:nvSpPr>
-          <p:cNvPr id="81" name="Google Shape;81;p17"/>
+          <p:cNvPr id="86" name="Google Shape;86;p18"/>
           <p:cNvSpPr txBox="1"/>
           <p:nvPr>
             <p:ph type="title"/>
@@ -7813,7 +8827,7 @@
       </p:sp>
       <p:sp>
         <p:nvSpPr>
-          <p:cNvPr id="82" name="Google Shape;82;p17"/>
+          <p:cNvPr id="87" name="Google Shape;87;p18"/>
           <p:cNvSpPr txBox="1"/>
           <p:nvPr>
             <p:ph idx="1" type="body"/>
@@ -7845,7 +8859,7 @@
             </a:pPr>
             <a:r>
               <a:rPr lang="ko"/>
-              <a:t>가설: </a:t>
+              <a:t>주장: </a:t>
             </a:r>
             <a:r>
               <a:rPr lang="ko"/>
@@ -7857,7 +8871,7 @@
       </p:sp>
       <p:sp>
         <p:nvSpPr>
-          <p:cNvPr id="83" name="Google Shape;83;p17"/>
+          <p:cNvPr id="88" name="Google Shape;88;p18"/>
           <p:cNvSpPr txBox="1"/>
           <p:nvPr>
             <p:ph idx="1" type="body"/>
@@ -7887,14 +8901,6 @@
               </a:spcAft>
               <a:buNone/>
             </a:pPr>
-            <a:r>
-              <a:rPr lang="ko">
-                <a:solidFill>
-                  <a:srgbClr val="FF0000"/>
-                </a:solidFill>
-              </a:rPr>
-              <a:t>대립</a:t>
-            </a:r>
             <a:r>
               <a:rPr lang="ko">
                 <a:solidFill>
@@ -7919,12 +8925,12 @@
 </p:sld>
 </file>
 
-<file path=ppt/slides/slide6.xml><?xml version="1.0" encoding="utf-8"?>
+<file path=ppt/slides/slide7.xml><?xml version="1.0" encoding="utf-8"?>
 <p:sld xmlns:a="http://schemas.openxmlformats.org/drawingml/2006/main" xmlns:r="http://schemas.openxmlformats.org/officeDocument/2006/relationships" xmlns:mc="http://schemas.openxmlformats.org/markup-compatibility/2006" xmlns:mv="urn:schemas-microsoft-com:mac:vml" xmlns:p="http://schemas.openxmlformats.org/presentationml/2006/main" xmlns:c="http://schemas.openxmlformats.org/drawingml/2006/chart" xmlns:dgm="http://schemas.openxmlformats.org/drawingml/2006/diagram" xmlns:o="urn:schemas-microsoft-com:office:office" xmlns:v="urn:schemas-microsoft-com:vml" xmlns:pvml="urn:schemas-microsoft-com:office:powerpoint" xmlns:com="http://schemas.openxmlformats.org/drawingml/2006/compatibility" xmlns:p14="http://schemas.microsoft.com/office/powerpoint/2010/main" xmlns:p15="http://schemas.microsoft.com/office/powerpoint/2012/main" xmlns:ahyp="http://schemas.microsoft.com/office/drawing/2018/hyperlinkcolor">
   <p:cSld>
     <p:spTree>
       <p:nvGrpSpPr>
-        <p:cNvPr id="87" name="Shape 87"/>
+        <p:cNvPr id="92" name="Shape 92"/>
         <p:cNvGrpSpPr/>
         <p:nvPr/>
       </p:nvGrpSpPr>
@@ -7938,7 +8944,7 @@
       </p:grpSpPr>
       <p:sp>
         <p:nvSpPr>
-          <p:cNvPr id="88" name="Google Shape;88;p18"/>
+          <p:cNvPr id="93" name="Google Shape;93;p19"/>
           <p:cNvSpPr txBox="1"/>
           <p:nvPr>
             <p:ph type="title"/>
@@ -7978,7 +8984,7 @@
       </p:sp>
       <p:pic>
         <p:nvPicPr>
-          <p:cNvPr id="89" name="Google Shape;89;p18"/>
+          <p:cNvPr id="94" name="Google Shape;94;p19"/>
           <p:cNvPicPr preferRelativeResize="0"/>
           <p:nvPr/>
         </p:nvPicPr>
@@ -8012,12 +9018,12 @@
 </p:sld>
 </file>
 
-<file path=ppt/slides/slide7.xml><?xml version="1.0" encoding="utf-8"?>
+<file path=ppt/slides/slide8.xml><?xml version="1.0" encoding="utf-8"?>
 <p:sld xmlns:a="http://schemas.openxmlformats.org/drawingml/2006/main" xmlns:r="http://schemas.openxmlformats.org/officeDocument/2006/relationships" xmlns:mc="http://schemas.openxmlformats.org/markup-compatibility/2006" xmlns:mv="urn:schemas-microsoft-com:mac:vml" xmlns:p="http://schemas.openxmlformats.org/presentationml/2006/main" xmlns:c="http://schemas.openxmlformats.org/drawingml/2006/chart" xmlns:dgm="http://schemas.openxmlformats.org/drawingml/2006/diagram" xmlns:o="urn:schemas-microsoft-com:office:office" xmlns:v="urn:schemas-microsoft-com:vml" xmlns:pvml="urn:schemas-microsoft-com:office:powerpoint" xmlns:com="http://schemas.openxmlformats.org/drawingml/2006/compatibility" xmlns:p14="http://schemas.microsoft.com/office/powerpoint/2010/main" xmlns:p15="http://schemas.microsoft.com/office/powerpoint/2012/main" xmlns:ahyp="http://schemas.microsoft.com/office/drawing/2018/hyperlinkcolor">
   <p:cSld>
     <p:spTree>
       <p:nvGrpSpPr>
-        <p:cNvPr id="93" name="Shape 93"/>
+        <p:cNvPr id="98" name="Shape 98"/>
         <p:cNvGrpSpPr/>
         <p:nvPr/>
       </p:nvGrpSpPr>
@@ -8031,7 +9037,7 @@
       </p:grpSpPr>
       <p:sp>
         <p:nvSpPr>
-          <p:cNvPr id="94" name="Google Shape;94;p19"/>
+          <p:cNvPr id="99" name="Google Shape;99;p20"/>
           <p:cNvSpPr txBox="1"/>
           <p:nvPr>
             <p:ph type="title"/>
@@ -8071,111 +9077,7 @@
       </p:sp>
       <p:sp>
         <p:nvSpPr>
-          <p:cNvPr id="95" name="Google Shape;95;p19"/>
-          <p:cNvSpPr txBox="1"/>
-          <p:nvPr>
-            <p:ph idx="1" type="body"/>
-          </p:nvPr>
-        </p:nvSpPr>
-        <p:spPr>
-          <a:xfrm>
-            <a:off x="311700" y="1152475"/>
-            <a:ext cx="8520600" cy="3416400"/>
-          </a:xfrm>
-          <a:prstGeom prst="rect">
-            <a:avLst/>
-          </a:prstGeom>
-        </p:spPr>
-        <p:txBody>
-          <a:bodyPr anchorCtr="0" anchor="t" bIns="91425" lIns="91425" spcFirstLastPara="1" rIns="91425" wrap="square" tIns="91425">
-            <a:normAutofit/>
-          </a:bodyPr>
-          <a:lstStyle/>
-          <a:p>
-            <a:pPr indent="0" lvl="0" marL="0" rtl="0" algn="l">
-              <a:spcBef>
-                <a:spcPts val="0"/>
-              </a:spcBef>
-              <a:spcAft>
-                <a:spcPts val="1200"/>
-              </a:spcAft>
-              <a:buNone/>
-            </a:pPr>
-            <a:r>
-              <a:t/>
-            </a:r>
-            <a:endParaRPr/>
-          </a:p>
-        </p:txBody>
-      </p:sp>
-    </p:spTree>
-  </p:cSld>
-  <p:clrMapOvr>
-    <a:masterClrMapping/>
-  </p:clrMapOvr>
-</p:sld>
-</file>
-
-<file path=ppt/slides/slide8.xml><?xml version="1.0" encoding="utf-8"?>
-<p:sld xmlns:a="http://schemas.openxmlformats.org/drawingml/2006/main" xmlns:r="http://schemas.openxmlformats.org/officeDocument/2006/relationships" xmlns:mc="http://schemas.openxmlformats.org/markup-compatibility/2006" xmlns:mv="urn:schemas-microsoft-com:mac:vml" xmlns:p="http://schemas.openxmlformats.org/presentationml/2006/main" xmlns:c="http://schemas.openxmlformats.org/drawingml/2006/chart" xmlns:dgm="http://schemas.openxmlformats.org/drawingml/2006/diagram" xmlns:o="urn:schemas-microsoft-com:office:office" xmlns:v="urn:schemas-microsoft-com:vml" xmlns:pvml="urn:schemas-microsoft-com:office:powerpoint" xmlns:com="http://schemas.openxmlformats.org/drawingml/2006/compatibility" xmlns:p14="http://schemas.microsoft.com/office/powerpoint/2010/main" xmlns:p15="http://schemas.microsoft.com/office/powerpoint/2012/main" xmlns:ahyp="http://schemas.microsoft.com/office/drawing/2018/hyperlinkcolor">
-  <p:cSld>
-    <p:spTree>
-      <p:nvGrpSpPr>
-        <p:cNvPr id="99" name="Shape 99"/>
-        <p:cNvGrpSpPr/>
-        <p:nvPr/>
-      </p:nvGrpSpPr>
-      <p:grpSpPr>
-        <a:xfrm>
-          <a:off x="0" y="0"/>
-          <a:ext cx="0" cy="0"/>
-          <a:chOff x="0" y="0"/>
-          <a:chExt cx="0" cy="0"/>
-        </a:xfrm>
-      </p:grpSpPr>
-      <p:sp>
-        <p:nvSpPr>
           <p:cNvPr id="100" name="Google Shape;100;p20"/>
-          <p:cNvSpPr txBox="1"/>
-          <p:nvPr>
-            <p:ph type="title"/>
-          </p:nvPr>
-        </p:nvSpPr>
-        <p:spPr>
-          <a:xfrm>
-            <a:off x="311700" y="445025"/>
-            <a:ext cx="8520600" cy="572700"/>
-          </a:xfrm>
-          <a:prstGeom prst="rect">
-            <a:avLst/>
-          </a:prstGeom>
-        </p:spPr>
-        <p:txBody>
-          <a:bodyPr anchorCtr="0" anchor="t" bIns="91425" lIns="91425" spcFirstLastPara="1" rIns="91425" wrap="square" tIns="91425">
-            <a:normAutofit fontScale="90000"/>
-          </a:bodyPr>
-          <a:lstStyle/>
-          <a:p>
-            <a:pPr indent="0" lvl="0" marL="0" rtl="0" algn="l">
-              <a:spcBef>
-                <a:spcPts val="0"/>
-              </a:spcBef>
-              <a:spcAft>
-                <a:spcPts val="0"/>
-              </a:spcAft>
-              <a:buNone/>
-            </a:pPr>
-            <a:r>
-              <a:rPr lang="ko"/>
-              <a:t>벤치마킹</a:t>
-            </a:r>
-            <a:endParaRPr/>
-          </a:p>
-        </p:txBody>
-      </p:sp>
-      <p:sp>
-        <p:nvSpPr>
-          <p:cNvPr id="101" name="Google Shape;101;p20"/>
           <p:cNvSpPr txBox="1"/>
           <p:nvPr>
             <p:ph idx="1" type="body"/>
@@ -8225,7 +9127,7 @@
   <p:cSld>
     <p:spTree>
       <p:nvGrpSpPr>
-        <p:cNvPr id="105" name="Shape 105"/>
+        <p:cNvPr id="104" name="Shape 104"/>
         <p:cNvGrpSpPr/>
         <p:nvPr/>
       </p:nvGrpSpPr>
@@ -8239,7 +9141,7 @@
       </p:grpSpPr>
       <p:sp>
         <p:nvSpPr>
-          <p:cNvPr id="106" name="Google Shape;106;p21"/>
+          <p:cNvPr id="105" name="Google Shape;105;p21"/>
           <p:cNvSpPr txBox="1"/>
           <p:nvPr>
             <p:ph type="title"/>
@@ -8271,32 +9173,90 @@
             </a:pPr>
             <a:r>
               <a:rPr lang="ko"/>
-              <a:t>목표시스템</a:t>
+              <a:t>벤치마킹</a:t>
             </a:r>
             <a:endParaRPr/>
           </a:p>
         </p:txBody>
       </p:sp>
-      <p:sp>
-        <p:nvSpPr>
-          <p:cNvPr id="107" name="Google Shape;107;p21"/>
-          <p:cNvSpPr txBox="1"/>
-          <p:nvPr>
-            <p:ph idx="1" type="body"/>
-          </p:nvPr>
-        </p:nvSpPr>
-        <p:spPr>
-          <a:xfrm>
-            <a:off x="311700" y="1152475"/>
-            <a:ext cx="8520600" cy="3416400"/>
+      <p:pic>
+        <p:nvPicPr>
+          <p:cNvPr id="106" name="Google Shape;106;p21"/>
+          <p:cNvPicPr preferRelativeResize="0"/>
+          <p:nvPr/>
+        </p:nvPicPr>
+        <p:blipFill>
+          <a:blip r:embed="rId3">
+            <a:alphaModFix/>
+          </a:blip>
+          <a:stretch>
+            <a:fillRect/>
+          </a:stretch>
+        </p:blipFill>
+        <p:spPr>
+          <a:xfrm>
+            <a:off x="97350" y="1017725"/>
+            <a:ext cx="4697899" cy="3410100"/>
           </a:xfrm>
           <a:prstGeom prst="rect">
             <a:avLst/>
           </a:prstGeom>
+          <a:noFill/>
+          <a:ln>
+            <a:noFill/>
+          </a:ln>
+        </p:spPr>
+      </p:pic>
+      <p:pic>
+        <p:nvPicPr>
+          <p:cNvPr id="107" name="Google Shape;107;p21"/>
+          <p:cNvPicPr preferRelativeResize="0"/>
+          <p:nvPr/>
+        </p:nvPicPr>
+        <p:blipFill>
+          <a:blip r:embed="rId4">
+            <a:alphaModFix/>
+          </a:blip>
+          <a:stretch>
+            <a:fillRect/>
+          </a:stretch>
+        </p:blipFill>
+        <p:spPr>
+          <a:xfrm>
+            <a:off x="3995250" y="2518375"/>
+            <a:ext cx="5016976" cy="2456250"/>
+          </a:xfrm>
+          <a:prstGeom prst="rect">
+            <a:avLst/>
+          </a:prstGeom>
+          <a:noFill/>
+          <a:ln>
+            <a:noFill/>
+          </a:ln>
+        </p:spPr>
+      </p:pic>
+      <p:sp>
+        <p:nvSpPr>
+          <p:cNvPr id="108" name="Google Shape;108;p21"/>
+          <p:cNvSpPr txBox="1"/>
+          <p:nvPr/>
+        </p:nvSpPr>
+        <p:spPr>
+          <a:xfrm>
+            <a:off x="4931150" y="1017725"/>
+            <a:ext cx="3814500" cy="1015800"/>
+          </a:xfrm>
+          <a:prstGeom prst="rect">
+            <a:avLst/>
+          </a:prstGeom>
+          <a:noFill/>
+          <a:ln>
+            <a:noFill/>
+          </a:ln>
         </p:spPr>
         <p:txBody>
           <a:bodyPr anchorCtr="0" anchor="t" bIns="91425" lIns="91425" spcFirstLastPara="1" rIns="91425" wrap="square" tIns="91425">
-            <a:normAutofit/>
+            <a:spAutoFit/>
           </a:bodyPr>
           <a:lstStyle/>
           <a:p>
@@ -8310,116 +9270,18 @@
               <a:buNone/>
             </a:pPr>
             <a:r>
-              <a:rPr lang="ko"/>
-              <a:t>한국과 미국,일본,프랑스,베트남,캐나다에 대한 자료를 수집한 뒤 비교자료를 통해 가설을 증명하는 시스템</a:t>
+              <a:rPr lang="ko" sz="1800">
+                <a:solidFill>
+                  <a:schemeClr val="dk2"/>
+                </a:solidFill>
+              </a:rPr>
+              <a:t>https://www.comparitech.com/blog/vpn-privacy/us-surveillance-camera-statistics/</a:t>
             </a:r>
-            <a:endParaRPr/>
-          </a:p>
-          <a:p>
-            <a:pPr indent="-342900" lvl="0" marL="457200" rtl="0" algn="l">
-              <a:spcBef>
-                <a:spcPts val="1200"/>
-              </a:spcBef>
-              <a:spcAft>
-                <a:spcPts val="0"/>
-              </a:spcAft>
-              <a:buSzPts val="1800"/>
-              <a:buAutoNum type="arabicPeriod"/>
-            </a:pPr>
-            <a:r>
-              <a:rPr lang="ko"/>
-              <a:t>CCTV </a:t>
-            </a:r>
-            <a:r>
-              <a:rPr lang="ko"/>
-              <a:t>개수</a:t>
-            </a:r>
-            <a:endParaRPr/>
-          </a:p>
-          <a:p>
-            <a:pPr indent="-342900" lvl="0" marL="457200" rtl="0" algn="l">
-              <a:spcBef>
-                <a:spcPts val="0"/>
-              </a:spcBef>
-              <a:spcAft>
-                <a:spcPts val="0"/>
-              </a:spcAft>
-              <a:buSzPts val="1800"/>
-              <a:buAutoNum type="arabicPeriod"/>
-            </a:pPr>
-            <a:r>
-              <a:rPr lang="ko"/>
-              <a:t>경찰 인원 / 전체인구수</a:t>
-            </a:r>
-            <a:endParaRPr/>
-          </a:p>
-          <a:p>
-            <a:pPr indent="-342900" lvl="0" marL="457200" rtl="0" algn="l">
-              <a:spcBef>
-                <a:spcPts val="0"/>
-              </a:spcBef>
-              <a:spcAft>
-                <a:spcPts val="0"/>
-              </a:spcAft>
-              <a:buSzPts val="1800"/>
-              <a:buAutoNum type="arabicPeriod"/>
-            </a:pPr>
-            <a:r>
-              <a:rPr lang="ko"/>
-              <a:t>검거율</a:t>
-            </a:r>
-            <a:endParaRPr/>
-          </a:p>
-          <a:p>
-            <a:pPr indent="-342900" lvl="0" marL="457200" rtl="0" algn="l">
-              <a:spcBef>
-                <a:spcPts val="0"/>
-              </a:spcBef>
-              <a:spcAft>
-                <a:spcPts val="0"/>
-              </a:spcAft>
-              <a:buSzPts val="1800"/>
-              <a:buAutoNum type="arabicPeriod"/>
-            </a:pPr>
-            <a:r>
-              <a:rPr lang="ko"/>
-              <a:t>재범률</a:t>
-            </a:r>
-            <a:endParaRPr/>
-          </a:p>
-          <a:p>
-            <a:pPr indent="-342900" lvl="0" marL="457200" rtl="0" algn="l">
-              <a:spcBef>
-                <a:spcPts val="0"/>
-              </a:spcBef>
-              <a:spcAft>
-                <a:spcPts val="0"/>
-              </a:spcAft>
-              <a:buSzPts val="1800"/>
-              <a:buAutoNum type="arabicPeriod"/>
-            </a:pPr>
-            <a:r>
-              <a:rPr lang="ko"/>
-              <a:t>신고율</a:t>
-            </a:r>
-            <a:endParaRPr/>
-          </a:p>
-          <a:p>
-            <a:pPr indent="-342900" lvl="0" marL="457200" rtl="0" algn="l">
-              <a:spcBef>
-                <a:spcPts val="0"/>
-              </a:spcBef>
-              <a:spcAft>
-                <a:spcPts val="0"/>
-              </a:spcAft>
-              <a:buSzPts val="1800"/>
-              <a:buAutoNum type="arabicPeriod"/>
-            </a:pPr>
-            <a:r>
-              <a:rPr lang="ko"/>
-              <a:t>4대 범죄 건수 (살인, 강간, 절도, 폭행)</a:t>
-            </a:r>
-            <a:endParaRPr/>
+            <a:endParaRPr sz="1800">
+              <a:solidFill>
+                <a:schemeClr val="dk2"/>
+              </a:solidFill>
+            </a:endParaRPr>
           </a:p>
         </p:txBody>
       </p:sp>
